--- a/AnalysisOfAnIssue_JanaMilutinovic.pptx
+++ b/AnalysisOfAnIssue_JanaMilutinovic.pptx
@@ -494,7 +494,7 @@
           <a:p>
             <a:fld id="{3B4792DC-5E6D-4B01-BF56-792BA08729AE}" type="datetimeFigureOut">
               <a:rPr lang="en-GB" smtClean="0"/>
-              <a:t>26/01/2020</a:t>
+              <a:t>29/01/2020</a:t>
             </a:fld>
             <a:endParaRPr lang="en-GB"/>
           </a:p>
@@ -760,7 +760,7 @@
           <a:p>
             <a:fld id="{3B4792DC-5E6D-4B01-BF56-792BA08729AE}" type="datetimeFigureOut">
               <a:rPr lang="en-GB" smtClean="0"/>
-              <a:t>26/01/2020</a:t>
+              <a:t>29/01/2020</a:t>
             </a:fld>
             <a:endParaRPr lang="en-GB"/>
           </a:p>
@@ -1010,7 +1010,7 @@
           <a:p>
             <a:fld id="{3B4792DC-5E6D-4B01-BF56-792BA08729AE}" type="datetimeFigureOut">
               <a:rPr lang="en-GB" smtClean="0"/>
-              <a:t>26/01/2020</a:t>
+              <a:t>29/01/2020</a:t>
             </a:fld>
             <a:endParaRPr lang="en-GB"/>
           </a:p>
@@ -1318,7 +1318,7 @@
           <a:p>
             <a:fld id="{3B4792DC-5E6D-4B01-BF56-792BA08729AE}" type="datetimeFigureOut">
               <a:rPr lang="en-GB" smtClean="0"/>
-              <a:t>26/01/2020</a:t>
+              <a:t>29/01/2020</a:t>
             </a:fld>
             <a:endParaRPr lang="en-GB"/>
           </a:p>
@@ -1636,7 +1636,7 @@
           <a:p>
             <a:fld id="{3B4792DC-5E6D-4B01-BF56-792BA08729AE}" type="datetimeFigureOut">
               <a:rPr lang="en-GB" smtClean="0"/>
-              <a:t>26/01/2020</a:t>
+              <a:t>29/01/2020</a:t>
             </a:fld>
             <a:endParaRPr lang="en-GB"/>
           </a:p>
@@ -1938,7 +1938,7 @@
           <a:p>
             <a:fld id="{3B4792DC-5E6D-4B01-BF56-792BA08729AE}" type="datetimeFigureOut">
               <a:rPr lang="en-GB" smtClean="0"/>
-              <a:t>26/01/2020</a:t>
+              <a:t>29/01/2020</a:t>
             </a:fld>
             <a:endParaRPr lang="en-GB"/>
           </a:p>
@@ -2305,7 +2305,7 @@
           <a:p>
             <a:fld id="{3B4792DC-5E6D-4B01-BF56-792BA08729AE}" type="datetimeFigureOut">
               <a:rPr lang="en-GB" smtClean="0"/>
-              <a:t>26/01/2020</a:t>
+              <a:t>29/01/2020</a:t>
             </a:fld>
             <a:endParaRPr lang="en-GB"/>
           </a:p>
@@ -2491,7 +2491,7 @@
           <a:p>
             <a:fld id="{3B4792DC-5E6D-4B01-BF56-792BA08729AE}" type="datetimeFigureOut">
               <a:rPr lang="en-GB" smtClean="0"/>
-              <a:t>26/01/2020</a:t>
+              <a:t>29/01/2020</a:t>
             </a:fld>
             <a:endParaRPr lang="en-GB"/>
           </a:p>
@@ -2677,7 +2677,7 @@
           <a:p>
             <a:fld id="{3B4792DC-5E6D-4B01-BF56-792BA08729AE}" type="datetimeFigureOut">
               <a:rPr lang="en-GB" smtClean="0"/>
-              <a:t>26/01/2020</a:t>
+              <a:t>29/01/2020</a:t>
             </a:fld>
             <a:endParaRPr lang="en-GB"/>
           </a:p>
@@ -2857,7 +2857,7 @@
           <a:p>
             <a:fld id="{3B4792DC-5E6D-4B01-BF56-792BA08729AE}" type="datetimeFigureOut">
               <a:rPr lang="en-GB" smtClean="0"/>
-              <a:t>26/01/2020</a:t>
+              <a:t>29/01/2020</a:t>
             </a:fld>
             <a:endParaRPr lang="en-GB"/>
           </a:p>
@@ -3107,7 +3107,7 @@
           <a:p>
             <a:fld id="{3B4792DC-5E6D-4B01-BF56-792BA08729AE}" type="datetimeFigureOut">
               <a:rPr lang="en-GB" smtClean="0"/>
-              <a:t>26/01/2020</a:t>
+              <a:t>29/01/2020</a:t>
             </a:fld>
             <a:endParaRPr lang="en-GB"/>
           </a:p>
@@ -3354,7 +3354,7 @@
           <a:p>
             <a:fld id="{3B4792DC-5E6D-4B01-BF56-792BA08729AE}" type="datetimeFigureOut">
               <a:rPr lang="en-GB" smtClean="0"/>
-              <a:t>26/01/2020</a:t>
+              <a:t>29/01/2020</a:t>
             </a:fld>
             <a:endParaRPr lang="en-GB"/>
           </a:p>
@@ -3743,7 +3743,7 @@
           <a:p>
             <a:fld id="{3B4792DC-5E6D-4B01-BF56-792BA08729AE}" type="datetimeFigureOut">
               <a:rPr lang="en-GB" smtClean="0"/>
-              <a:t>26/01/2020</a:t>
+              <a:t>29/01/2020</a:t>
             </a:fld>
             <a:endParaRPr lang="en-GB"/>
           </a:p>
@@ -3872,7 +3872,7 @@
           <a:p>
             <a:fld id="{3B4792DC-5E6D-4B01-BF56-792BA08729AE}" type="datetimeFigureOut">
               <a:rPr lang="en-GB" smtClean="0"/>
-              <a:t>26/01/2020</a:t>
+              <a:t>29/01/2020</a:t>
             </a:fld>
             <a:endParaRPr lang="en-GB"/>
           </a:p>
@@ -3967,7 +3967,7 @@
           <a:p>
             <a:fld id="{3B4792DC-5E6D-4B01-BF56-792BA08729AE}" type="datetimeFigureOut">
               <a:rPr lang="en-GB" smtClean="0"/>
-              <a:t>26/01/2020</a:t>
+              <a:t>29/01/2020</a:t>
             </a:fld>
             <a:endParaRPr lang="en-GB"/>
           </a:p>
@@ -4222,7 +4222,7 @@
           <a:p>
             <a:fld id="{3B4792DC-5E6D-4B01-BF56-792BA08729AE}" type="datetimeFigureOut">
               <a:rPr lang="en-GB" smtClean="0"/>
-              <a:t>26/01/2020</a:t>
+              <a:t>29/01/2020</a:t>
             </a:fld>
             <a:endParaRPr lang="en-GB"/>
           </a:p>
@@ -4505,7 +4505,7 @@
           <a:p>
             <a:fld id="{3B4792DC-5E6D-4B01-BF56-792BA08729AE}" type="datetimeFigureOut">
               <a:rPr lang="en-GB" smtClean="0"/>
-              <a:t>26/01/2020</a:t>
+              <a:t>29/01/2020</a:t>
             </a:fld>
             <a:endParaRPr lang="en-GB"/>
           </a:p>
@@ -4916,7 +4916,7 @@
           <a:p>
             <a:fld id="{3B4792DC-5E6D-4B01-BF56-792BA08729AE}" type="datetimeFigureOut">
               <a:rPr lang="en-GB" smtClean="0"/>
-              <a:t>26/01/2020</a:t>
+              <a:t>29/01/2020</a:t>
             </a:fld>
             <a:endParaRPr lang="en-GB"/>
           </a:p>
@@ -5441,7 +5441,7 @@
       <p:bgPr>
         <a:gradFill>
           <a:gsLst>
-            <a:gs pos="10000">
+            <a:gs pos="0">
               <a:schemeClr val="bg2">
                 <a:tint val="97000"/>
                 <a:hueMod val="92000"/>
@@ -5449,7 +5449,7 @@
                 <a:lumMod val="164000"/>
               </a:schemeClr>
             </a:gs>
-            <a:gs pos="100000">
+            <a:gs pos="99000">
               <a:schemeClr val="bg2">
                 <a:shade val="96000"/>
                 <a:satMod val="120000"/>
@@ -5647,21 +5647,7 @@
                 <a:ea typeface="+mj-ea"/>
                 <a:cs typeface="+mj-cs"/>
               </a:rPr>
-              <a:t>Analysis of an </a:t>
-            </a:r>
-            <a:r>
-              <a:rPr lang="en-US" sz="2400" b="1" cap="all" dirty="0">
-                <a:ln w="3175" cmpd="sng">
-                  <a:noFill/>
-                </a:ln>
-                <a:solidFill>
-                  <a:srgbClr val="FCE5C4"/>
-                </a:solidFill>
-                <a:latin typeface="+mj-lt"/>
-                <a:ea typeface="+mj-ea"/>
-                <a:cs typeface="+mj-cs"/>
-              </a:rPr>
-              <a:t>Issue</a:t>
+              <a:t>Analysis of an Issue</a:t>
             </a:r>
             <a:endParaRPr lang="en-GB" sz="2400" b="1" cap="all" dirty="0">
               <a:ln w="3175" cmpd="sng">
@@ -5700,6 +5686,14 @@
 <file path=ppt/slides/slide2.xml><?xml version="1.0" encoding="utf-8"?>
 <p:sld xmlns:a="http://schemas.openxmlformats.org/drawingml/2006/main" xmlns:r="http://schemas.openxmlformats.org/officeDocument/2006/relationships" xmlns:p="http://schemas.openxmlformats.org/presentationml/2006/main">
   <p:cSld>
+    <p:bg>
+      <p:bgPr>
+        <a:solidFill>
+          <a:srgbClr val="5E7F69"/>
+        </a:solidFill>
+        <a:effectLst/>
+      </p:bgPr>
+    </p:bg>
     <p:spTree>
       <p:nvGrpSpPr>
         <p:cNvPr id="1" name=""/>
